--- a/prezentare.pptx
+++ b/prezentare.pptx
@@ -6742,7 +6742,7 @@
               <a:t>Berciu</a:t>
             </a:r>
             <a:r>
-              <a:rPr lang="en-US" sz="1300">
+              <a:rPr lang="en-US" sz="1300" dirty="0">
                 <a:solidFill>
                   <a:srgbClr val="FFFFFF">
                     <a:alpha val="70000"/>
@@ -7605,7 +7605,7 @@
               <a:p>
                 <a:r>
                   <a:rPr lang="en-US" dirty="0" err="1"/>
-                  <a:t>Verificare</a:t>
+                  <a:t>Verificarea</a:t>
                 </a:r>
                 <a:r>
                   <a:rPr lang="en-US" dirty="0"/>
@@ -7613,7 +7613,7 @@
                 </a:r>
                 <a:r>
                   <a:rPr lang="en-US" dirty="0" err="1"/>
-                  <a:t>performante</a:t>
+                  <a:t>performantelor</a:t>
                 </a:r>
                 <a:r>
                   <a:rPr lang="en-US" dirty="0"/>
@@ -7936,7 +7936,7 @@
               <a:p>
                 <a:r>
                   <a:rPr lang="en-US" dirty="0" err="1"/>
-                  <a:t>Verificare</a:t>
+                  <a:t>Verificarea</a:t>
                 </a:r>
                 <a:r>
                   <a:rPr lang="en-US" dirty="0"/>
@@ -7944,7 +7944,7 @@
                 </a:r>
                 <a:r>
                   <a:rPr lang="en-US" dirty="0" err="1"/>
-                  <a:t>performante</a:t>
+                  <a:t>performantelor</a:t>
                 </a:r>
                 <a:r>
                   <a:rPr lang="en-US" dirty="0"/>
@@ -8282,7 +8282,7 @@
               <a:p>
                 <a:r>
                   <a:rPr lang="en-US" dirty="0" err="1"/>
-                  <a:t>Verificare</a:t>
+                  <a:t>Verificarea</a:t>
                 </a:r>
                 <a:r>
                   <a:rPr lang="en-US" dirty="0"/>
@@ -8290,7 +8290,7 @@
                 </a:r>
                 <a:r>
                   <a:rPr lang="en-US" dirty="0" err="1"/>
-                  <a:t>performante</a:t>
+                  <a:t>performantelor</a:t>
                 </a:r>
                 <a:r>
                   <a:rPr lang="en-US" dirty="0"/>
@@ -14587,7 +14587,7 @@
             </a:r>
             <a:r>
               <a:rPr lang="en-US" b="1" dirty="0" err="1"/>
-              <a:t>Calcului</a:t>
+              <a:t>Calculul</a:t>
             </a:r>
             <a:r>
               <a:rPr lang="en-US" b="1" dirty="0"/>
@@ -14725,11 +14725,11 @@
             </a:r>
             <a:r>
               <a:rPr lang="ro-RO" dirty="0"/>
-              <a:t> performanțele</a:t>
+              <a:t> performanțel</a:t>
             </a:r>
             <a:r>
               <a:rPr lang="en-US" dirty="0"/>
-              <a:t> </a:t>
+              <a:t>or </a:t>
             </a:r>
             <a:r>
               <a:rPr lang="en-US" dirty="0" err="1"/>
